--- a/Burndown & Velocity/Cycle 4/V4.4.1 [2022-02-26] Burndown Velocity Sprint 4-4.pptx
+++ b/Burndown & Velocity/Cycle 4/V4.4.1 [2022-02-26] Burndown Velocity Sprint 4-4.pptx
@@ -206,7 +206,7 @@
                   <a:schemeClr val="tx1"/>
                 </a:solidFill>
               </a:rPr>
-              <a:t>ที่ 3</a:t>
+              <a:t>ที่ 4</a:t>
             </a:r>
           </a:p>
         </c:rich>
@@ -414,22 +414,25 @@
           </c:dLbls>
           <c:cat>
             <c:strRef>
-              <c:f>Sheet1!$A$2:$A$6</c:f>
+              <c:f>Sheet1!$A$2:$A$7</c:f>
               <c:strCache>
-                <c:ptCount val="5"/>
+                <c:ptCount val="6"/>
                 <c:pt idx="0">
                   <c:v>Start</c:v>
                 </c:pt>
                 <c:pt idx="1">
-                  <c:v>Sprint 3/1</c:v>
+                  <c:v>Sprint 4/1</c:v>
                 </c:pt>
                 <c:pt idx="2">
-                  <c:v>Sprint 3/2</c:v>
+                  <c:v>Sprint 4/2</c:v>
                 </c:pt>
                 <c:pt idx="3">
-                  <c:v>Sprint 3/3</c:v>
+                  <c:v>Sprint 4/3</c:v>
                 </c:pt>
                 <c:pt idx="4">
+                  <c:v>Sprint 4/4</c:v>
+                </c:pt>
+                <c:pt idx="5">
                   <c:v>Finish</c:v>
                 </c:pt>
               </c:strCache>
@@ -437,23 +440,26 @@
           </c:cat>
           <c:val>
             <c:numRef>
-              <c:f>Sheet1!$B$2:$B$6</c:f>
+              <c:f>Sheet1!$B$2:$B$7</c:f>
               <c:numCache>
                 <c:formatCode>General</c:formatCode>
-                <c:ptCount val="5"/>
+                <c:ptCount val="6"/>
                 <c:pt idx="0">
-                  <c:v>65</c:v>
+                  <c:v>165</c:v>
                 </c:pt>
                 <c:pt idx="1">
-                  <c:v>65</c:v>
+                  <c:v>165</c:v>
                 </c:pt>
                 <c:pt idx="2">
-                  <c:v>65</c:v>
+                  <c:v>165</c:v>
                 </c:pt>
                 <c:pt idx="3">
                   <c:v>65</c:v>
                 </c:pt>
                 <c:pt idx="4">
+                  <c:v>100</c:v>
+                </c:pt>
+                <c:pt idx="5">
                   <c:v>0</c:v>
                 </c:pt>
               </c:numCache>
@@ -597,8 +603,8 @@
               <c:idx val="4"/>
               <c:layout>
                 <c:manualLayout>
-                  <c:x val="-4.0628937007874073E-2"/>
-                  <c:y val="1.8826216853702213E-2"/>
+                  <c:x val="-2.6304749015748145E-2"/>
+                  <c:y val="4.4607465267749433E-2"/>
                 </c:manualLayout>
               </c:layout>
               <c:dLblPos val="r"/>
@@ -613,6 +619,25 @@
                 <c:ext xmlns:c16="http://schemas.microsoft.com/office/drawing/2014/chart" uri="{C3380CC4-5D6E-409C-BE32-E72D297353CC}">
                   <c16:uniqueId val="{00000001-EEB3-4D9F-83E0-54EA909DC03D}"/>
                 </c:ext>
+              </c:extLst>
+            </c:dLbl>
+            <c:dLbl>
+              <c:idx val="5"/>
+              <c:layout>
+                <c:manualLayout>
+                  <c:x val="-3.9370078740157482E-6"/>
+                  <c:y val="-1.867378083945738E-2"/>
+                </c:manualLayout>
+              </c:layout>
+              <c:dLblPos val="r"/>
+              <c:showLegendKey val="0"/>
+              <c:showVal val="1"/>
+              <c:showCatName val="0"/>
+              <c:showSerName val="0"/>
+              <c:showPercent val="0"/>
+              <c:showBubbleSize val="0"/>
+              <c:extLst>
+                <c:ext xmlns:c15="http://schemas.microsoft.com/office/drawing/2012/chart" uri="{CE6537A1-D6FC-4f65-9D91-7224C49458BB}"/>
               </c:extLst>
             </c:dLbl>
             <c:numFmt formatCode="#,##0" sourceLinked="0"/>
@@ -674,22 +699,25 @@
           </c:dLbls>
           <c:cat>
             <c:strRef>
-              <c:f>Sheet1!$A$2:$A$6</c:f>
+              <c:f>Sheet1!$A$2:$A$7</c:f>
               <c:strCache>
-                <c:ptCount val="5"/>
+                <c:ptCount val="6"/>
                 <c:pt idx="0">
                   <c:v>Start</c:v>
                 </c:pt>
                 <c:pt idx="1">
-                  <c:v>Sprint 3/1</c:v>
+                  <c:v>Sprint 4/1</c:v>
                 </c:pt>
                 <c:pt idx="2">
-                  <c:v>Sprint 3/2</c:v>
+                  <c:v>Sprint 4/2</c:v>
                 </c:pt>
                 <c:pt idx="3">
-                  <c:v>Sprint 3/3</c:v>
+                  <c:v>Sprint 4/3</c:v>
                 </c:pt>
                 <c:pt idx="4">
+                  <c:v>Sprint 4/4</c:v>
+                </c:pt>
+                <c:pt idx="5">
                   <c:v>Finish</c:v>
                 </c:pt>
               </c:strCache>
@@ -697,24 +725,27 @@
           </c:cat>
           <c:val>
             <c:numRef>
-              <c:f>Sheet1!$C$2:$C$6</c:f>
+              <c:f>Sheet1!$C$2:$C$7</c:f>
               <c:numCache>
                 <c:formatCode>General</c:formatCode>
-                <c:ptCount val="5"/>
+                <c:ptCount val="6"/>
                 <c:pt idx="0">
-                  <c:v>65</c:v>
+                  <c:v>165</c:v>
                 </c:pt>
                 <c:pt idx="1">
-                  <c:v>65</c:v>
+                  <c:v>165</c:v>
                 </c:pt>
                 <c:pt idx="2">
-                  <c:v>65</c:v>
+                  <c:v>165</c:v>
                 </c:pt>
                 <c:pt idx="3">
                   <c:v>63</c:v>
                 </c:pt>
                 <c:pt idx="4">
-                  <c:v>0</c:v>
+                  <c:v>88</c:v>
+                </c:pt>
+                <c:pt idx="5">
+                  <c:v>14</c:v>
                 </c:pt>
               </c:numCache>
             </c:numRef>
@@ -1015,7 +1046,7 @@
                   <a:schemeClr val="tx1"/>
                 </a:solidFill>
               </a:rPr>
-              <a:t>ที่ 3</a:t>
+              <a:t>ที่ 4</a:t>
             </a:r>
           </a:p>
         </c:rich>
@@ -1180,27 +1211,30 @@
           </c:dLbls>
           <c:cat>
             <c:strRef>
-              <c:f>Sheet1!$A$2:$A$4</c:f>
+              <c:f>Sheet1!$A$2:$A$5</c:f>
               <c:strCache>
-                <c:ptCount val="3"/>
+                <c:ptCount val="4"/>
                 <c:pt idx="0">
-                  <c:v>Sprint 3/1</c:v>
+                  <c:v>Sprint 4/1</c:v>
                 </c:pt>
                 <c:pt idx="1">
-                  <c:v>Sprint 3/2</c:v>
+                  <c:v>Sprint 4/2</c:v>
                 </c:pt>
                 <c:pt idx="2">
-                  <c:v>Sprint 3/3</c:v>
+                  <c:v>Sprint 4/3</c:v>
+                </c:pt>
+                <c:pt idx="3">
+                  <c:v>Sprint 4/4</c:v>
                 </c:pt>
               </c:strCache>
             </c:strRef>
           </c:cat>
           <c:val>
             <c:numRef>
-              <c:f>Sheet1!$B$2:$B$4</c:f>
+              <c:f>Sheet1!$B$2:$B$5</c:f>
               <c:numCache>
                 <c:formatCode>General</c:formatCode>
-                <c:ptCount val="3"/>
+                <c:ptCount val="4"/>
                 <c:pt idx="0">
                   <c:v>0</c:v>
                 </c:pt>
@@ -1209,6 +1243,9 @@
                 </c:pt>
                 <c:pt idx="2">
                   <c:v>65</c:v>
+                </c:pt>
+                <c:pt idx="3">
+                  <c:v>100</c:v>
                 </c:pt>
               </c:numCache>
             </c:numRef>
@@ -1339,27 +1376,30 @@
           </c:dLbls>
           <c:cat>
             <c:strRef>
-              <c:f>Sheet1!$A$2:$A$4</c:f>
+              <c:f>Sheet1!$A$2:$A$5</c:f>
               <c:strCache>
-                <c:ptCount val="3"/>
+                <c:ptCount val="4"/>
                 <c:pt idx="0">
-                  <c:v>Sprint 3/1</c:v>
+                  <c:v>Sprint 4/1</c:v>
                 </c:pt>
                 <c:pt idx="1">
-                  <c:v>Sprint 3/2</c:v>
+                  <c:v>Sprint 4/2</c:v>
                 </c:pt>
                 <c:pt idx="2">
-                  <c:v>Sprint 3/3</c:v>
+                  <c:v>Sprint 4/3</c:v>
+                </c:pt>
+                <c:pt idx="3">
+                  <c:v>Sprint 4/4</c:v>
                 </c:pt>
               </c:strCache>
             </c:strRef>
           </c:cat>
           <c:val>
             <c:numRef>
-              <c:f>Sheet1!$C$2:$C$4</c:f>
+              <c:f>Sheet1!$C$2:$C$5</c:f>
               <c:numCache>
                 <c:formatCode>General</c:formatCode>
-                <c:ptCount val="3"/>
+                <c:ptCount val="4"/>
                 <c:pt idx="0">
                   <c:v>0</c:v>
                 </c:pt>
@@ -1368,6 +1408,9 @@
                 </c:pt>
                 <c:pt idx="2">
                   <c:v>63</c:v>
+                </c:pt>
+                <c:pt idx="3">
+                  <c:v>88</c:v>
                 </c:pt>
               </c:numCache>
             </c:numRef>
@@ -2808,7 +2851,7 @@
           <a:p>
             <a:fld id="{12C3E8BB-F70B-41C7-A2C4-69BE80B44BDC}" type="datetimeFigureOut">
               <a:rPr lang="th-TH" smtClean="0"/>
-              <a:t>19/02/65</a:t>
+              <a:t>05/03/65</a:t>
             </a:fld>
             <a:endParaRPr lang="th-TH"/>
           </a:p>
@@ -3006,7 +3049,7 @@
           <a:p>
             <a:fld id="{12C3E8BB-F70B-41C7-A2C4-69BE80B44BDC}" type="datetimeFigureOut">
               <a:rPr lang="th-TH" smtClean="0"/>
-              <a:t>19/02/65</a:t>
+              <a:t>05/03/65</a:t>
             </a:fld>
             <a:endParaRPr lang="th-TH"/>
           </a:p>
@@ -3214,7 +3257,7 @@
           <a:p>
             <a:fld id="{12C3E8BB-F70B-41C7-A2C4-69BE80B44BDC}" type="datetimeFigureOut">
               <a:rPr lang="th-TH" smtClean="0"/>
-              <a:t>19/02/65</a:t>
+              <a:t>05/03/65</a:t>
             </a:fld>
             <a:endParaRPr lang="th-TH"/>
           </a:p>
@@ -3412,7 +3455,7 @@
           <a:p>
             <a:fld id="{12C3E8BB-F70B-41C7-A2C4-69BE80B44BDC}" type="datetimeFigureOut">
               <a:rPr lang="th-TH" smtClean="0"/>
-              <a:t>19/02/65</a:t>
+              <a:t>05/03/65</a:t>
             </a:fld>
             <a:endParaRPr lang="th-TH"/>
           </a:p>
@@ -3687,7 +3730,7 @@
           <a:p>
             <a:fld id="{12C3E8BB-F70B-41C7-A2C4-69BE80B44BDC}" type="datetimeFigureOut">
               <a:rPr lang="th-TH" smtClean="0"/>
-              <a:t>19/02/65</a:t>
+              <a:t>05/03/65</a:t>
             </a:fld>
             <a:endParaRPr lang="th-TH"/>
           </a:p>
@@ -3952,7 +3995,7 @@
           <a:p>
             <a:fld id="{12C3E8BB-F70B-41C7-A2C4-69BE80B44BDC}" type="datetimeFigureOut">
               <a:rPr lang="th-TH" smtClean="0"/>
-              <a:t>19/02/65</a:t>
+              <a:t>05/03/65</a:t>
             </a:fld>
             <a:endParaRPr lang="th-TH"/>
           </a:p>
@@ -4364,7 +4407,7 @@
           <a:p>
             <a:fld id="{12C3E8BB-F70B-41C7-A2C4-69BE80B44BDC}" type="datetimeFigureOut">
               <a:rPr lang="th-TH" smtClean="0"/>
-              <a:t>19/02/65</a:t>
+              <a:t>05/03/65</a:t>
             </a:fld>
             <a:endParaRPr lang="th-TH"/>
           </a:p>
@@ -4505,7 +4548,7 @@
           <a:p>
             <a:fld id="{12C3E8BB-F70B-41C7-A2C4-69BE80B44BDC}" type="datetimeFigureOut">
               <a:rPr lang="th-TH" smtClean="0"/>
-              <a:t>19/02/65</a:t>
+              <a:t>05/03/65</a:t>
             </a:fld>
             <a:endParaRPr lang="th-TH"/>
           </a:p>
@@ -4618,7 +4661,7 @@
           <a:p>
             <a:fld id="{12C3E8BB-F70B-41C7-A2C4-69BE80B44BDC}" type="datetimeFigureOut">
               <a:rPr lang="th-TH" smtClean="0"/>
-              <a:t>19/02/65</a:t>
+              <a:t>05/03/65</a:t>
             </a:fld>
             <a:endParaRPr lang="th-TH"/>
           </a:p>
@@ -4929,7 +4972,7 @@
           <a:p>
             <a:fld id="{12C3E8BB-F70B-41C7-A2C4-69BE80B44BDC}" type="datetimeFigureOut">
               <a:rPr lang="th-TH" smtClean="0"/>
-              <a:t>19/02/65</a:t>
+              <a:t>05/03/65</a:t>
             </a:fld>
             <a:endParaRPr lang="th-TH"/>
           </a:p>
@@ -5217,7 +5260,7 @@
           <a:p>
             <a:fld id="{12C3E8BB-F70B-41C7-A2C4-69BE80B44BDC}" type="datetimeFigureOut">
               <a:rPr lang="th-TH" smtClean="0"/>
-              <a:t>19/02/65</a:t>
+              <a:t>05/03/65</a:t>
             </a:fld>
             <a:endParaRPr lang="th-TH"/>
           </a:p>
@@ -5458,7 +5501,7 @@
           <a:p>
             <a:fld id="{12C3E8BB-F70B-41C7-A2C4-69BE80B44BDC}" type="datetimeFigureOut">
               <a:rPr lang="th-TH" smtClean="0"/>
-              <a:t>19/02/65</a:t>
+              <a:t>05/03/65</a:t>
             </a:fld>
             <a:endParaRPr lang="th-TH"/>
           </a:p>
@@ -5888,7 +5931,7 @@
           <p:nvPr>
             <p:extLst>
               <p:ext uri="{D42A27DB-BD31-4B8C-83A1-F6EECF244321}">
-                <p14:modId xmlns:p14="http://schemas.microsoft.com/office/powerpoint/2010/main" val="633931505"/>
+                <p14:modId xmlns:p14="http://schemas.microsoft.com/office/powerpoint/2010/main" val="3457084790"/>
               </p:ext>
             </p:extLst>
           </p:nvPr>
@@ -5946,7 +5989,7 @@
           <p:nvPr>
             <p:extLst>
               <p:ext uri="{D42A27DB-BD31-4B8C-83A1-F6EECF244321}">
-                <p14:modId xmlns:p14="http://schemas.microsoft.com/office/powerpoint/2010/main" val="888737116"/>
+                <p14:modId xmlns:p14="http://schemas.microsoft.com/office/powerpoint/2010/main" val="2769917822"/>
               </p:ext>
             </p:extLst>
           </p:nvPr>

--- a/Burndown & Velocity/Cycle 4/V4.4.1 [2022-02-26] Burndown Velocity Sprint 4-4.pptx
+++ b/Burndown & Velocity/Cycle 4/V4.4.1 [2022-02-26] Burndown Velocity Sprint 4-4.pptx
@@ -358,6 +358,50 @@
                 </c:ext>
               </c:extLst>
             </c:dLbl>
+            <c:dLbl>
+              <c:idx val="3"/>
+              <c:layout>
+                <c:manualLayout>
+                  <c:x val="-4.0628937007874018E-2"/>
+                  <c:y val="1.6482466997879738E-2"/>
+                </c:manualLayout>
+              </c:layout>
+              <c:dLblPos val="r"/>
+              <c:showLegendKey val="0"/>
+              <c:showVal val="1"/>
+              <c:showCatName val="0"/>
+              <c:showSerName val="0"/>
+              <c:showPercent val="0"/>
+              <c:showBubbleSize val="0"/>
+              <c:extLst>
+                <c:ext xmlns:c15="http://schemas.microsoft.com/office/drawing/2012/chart" uri="{CE6537A1-D6FC-4f65-9D91-7224C49458BB}"/>
+                <c:ext xmlns:c16="http://schemas.microsoft.com/office/drawing/2014/chart" uri="{C3380CC4-5D6E-409C-BE32-E72D297353CC}">
+                  <c16:uniqueId val="{00000002-79D8-4BB9-9453-21AC99A5AE3B}"/>
+                </c:ext>
+              </c:extLst>
+            </c:dLbl>
+            <c:dLbl>
+              <c:idx val="4"/>
+              <c:layout>
+                <c:manualLayout>
+                  <c:x val="-3.3855561023622048E-2"/>
+                  <c:y val="-2.2675318487000587E-3"/>
+                </c:manualLayout>
+              </c:layout>
+              <c:dLblPos val="r"/>
+              <c:showLegendKey val="0"/>
+              <c:showVal val="1"/>
+              <c:showCatName val="0"/>
+              <c:showSerName val="0"/>
+              <c:showPercent val="0"/>
+              <c:showBubbleSize val="0"/>
+              <c:extLst>
+                <c:ext xmlns:c15="http://schemas.microsoft.com/office/drawing/2012/chart" uri="{CE6537A1-D6FC-4f65-9D91-7224C49458BB}"/>
+                <c:ext xmlns:c16="http://schemas.microsoft.com/office/drawing/2014/chart" uri="{C3380CC4-5D6E-409C-BE32-E72D297353CC}">
+                  <c16:uniqueId val="{00000003-79D8-4BB9-9453-21AC99A5AE3B}"/>
+                </c:ext>
+              </c:extLst>
+            </c:dLbl>
             <c:spPr>
               <a:noFill/>
               <a:ln>
@@ -416,7 +460,7 @@
             <c:strRef>
               <c:f>Sheet1!$A$2:$A$7</c:f>
               <c:strCache>
-                <c:ptCount val="6"/>
+                <c:ptCount val="5"/>
                 <c:pt idx="0">
                   <c:v>Start</c:v>
                 </c:pt>
@@ -431,9 +475,6 @@
                 </c:pt>
                 <c:pt idx="4">
                   <c:v>Sprint 4/4</c:v>
-                </c:pt>
-                <c:pt idx="5">
-                  <c:v>Finish</c:v>
                 </c:pt>
               </c:strCache>
             </c:strRef>
@@ -454,12 +495,9 @@
                   <c:v>165</c:v>
                 </c:pt>
                 <c:pt idx="3">
-                  <c:v>65</c:v>
+                  <c:v>100</c:v>
                 </c:pt>
                 <c:pt idx="4">
-                  <c:v>100</c:v>
-                </c:pt>
-                <c:pt idx="5">
                   <c:v>0</c:v>
                 </c:pt>
               </c:numCache>
@@ -581,8 +619,8 @@
               <c:idx val="3"/>
               <c:layout>
                 <c:manualLayout>
-                  <c:x val="-4.5316437007874071E-2"/>
-                  <c:y val="3.0544966132814582E-2"/>
+                  <c:x val="-3.9370078741303297E-6"/>
+                  <c:y val="-1.867378083945738E-2"/>
                 </c:manualLayout>
               </c:layout>
               <c:dLblPos val="r"/>
@@ -603,8 +641,8 @@
               <c:idx val="4"/>
               <c:layout>
                 <c:manualLayout>
-                  <c:x val="-2.6304749015748145E-2"/>
-                  <c:y val="4.4607465267749433E-2"/>
+                  <c:x val="-9.1172490157481467E-3"/>
+                  <c:y val="-9.2987814161674814E-3"/>
                 </c:manualLayout>
               </c:layout>
               <c:dLblPos val="r"/>
@@ -638,6 +676,9 @@
               <c:showBubbleSize val="0"/>
               <c:extLst>
                 <c:ext xmlns:c15="http://schemas.microsoft.com/office/drawing/2012/chart" uri="{CE6537A1-D6FC-4f65-9D91-7224C49458BB}"/>
+                <c:ext xmlns:c16="http://schemas.microsoft.com/office/drawing/2014/chart" uri="{C3380CC4-5D6E-409C-BE32-E72D297353CC}">
+                  <c16:uniqueId val="{00000000-79D8-4BB9-9453-21AC99A5AE3B}"/>
+                </c:ext>
               </c:extLst>
             </c:dLbl>
             <c:numFmt formatCode="#,##0" sourceLinked="0"/>
@@ -701,7 +742,7 @@
             <c:strRef>
               <c:f>Sheet1!$A$2:$A$7</c:f>
               <c:strCache>
-                <c:ptCount val="6"/>
+                <c:ptCount val="5"/>
                 <c:pt idx="0">
                   <c:v>Start</c:v>
                 </c:pt>
@@ -716,9 +757,6 @@
                 </c:pt>
                 <c:pt idx="4">
                   <c:v>Sprint 4/4</c:v>
-                </c:pt>
-                <c:pt idx="5">
-                  <c:v>Finish</c:v>
                 </c:pt>
               </c:strCache>
             </c:strRef>
@@ -739,12 +777,9 @@
                   <c:v>165</c:v>
                 </c:pt>
                 <c:pt idx="3">
-                  <c:v>63</c:v>
+                  <c:v>102</c:v>
                 </c:pt>
                 <c:pt idx="4">
-                  <c:v>88</c:v>
-                </c:pt>
-                <c:pt idx="5">
                   <c:v>14</c:v>
                 </c:pt>
               </c:numCache>
@@ -2851,7 +2886,7 @@
           <a:p>
             <a:fld id="{12C3E8BB-F70B-41C7-A2C4-69BE80B44BDC}" type="datetimeFigureOut">
               <a:rPr lang="th-TH" smtClean="0"/>
-              <a:t>05/03/65</a:t>
+              <a:t>19/03/65</a:t>
             </a:fld>
             <a:endParaRPr lang="th-TH"/>
           </a:p>
@@ -3049,7 +3084,7 @@
           <a:p>
             <a:fld id="{12C3E8BB-F70B-41C7-A2C4-69BE80B44BDC}" type="datetimeFigureOut">
               <a:rPr lang="th-TH" smtClean="0"/>
-              <a:t>05/03/65</a:t>
+              <a:t>19/03/65</a:t>
             </a:fld>
             <a:endParaRPr lang="th-TH"/>
           </a:p>
@@ -3257,7 +3292,7 @@
           <a:p>
             <a:fld id="{12C3E8BB-F70B-41C7-A2C4-69BE80B44BDC}" type="datetimeFigureOut">
               <a:rPr lang="th-TH" smtClean="0"/>
-              <a:t>05/03/65</a:t>
+              <a:t>19/03/65</a:t>
             </a:fld>
             <a:endParaRPr lang="th-TH"/>
           </a:p>
@@ -3455,7 +3490,7 @@
           <a:p>
             <a:fld id="{12C3E8BB-F70B-41C7-A2C4-69BE80B44BDC}" type="datetimeFigureOut">
               <a:rPr lang="th-TH" smtClean="0"/>
-              <a:t>05/03/65</a:t>
+              <a:t>19/03/65</a:t>
             </a:fld>
             <a:endParaRPr lang="th-TH"/>
           </a:p>
@@ -3730,7 +3765,7 @@
           <a:p>
             <a:fld id="{12C3E8BB-F70B-41C7-A2C4-69BE80B44BDC}" type="datetimeFigureOut">
               <a:rPr lang="th-TH" smtClean="0"/>
-              <a:t>05/03/65</a:t>
+              <a:t>19/03/65</a:t>
             </a:fld>
             <a:endParaRPr lang="th-TH"/>
           </a:p>
@@ -3995,7 +4030,7 @@
           <a:p>
             <a:fld id="{12C3E8BB-F70B-41C7-A2C4-69BE80B44BDC}" type="datetimeFigureOut">
               <a:rPr lang="th-TH" smtClean="0"/>
-              <a:t>05/03/65</a:t>
+              <a:t>19/03/65</a:t>
             </a:fld>
             <a:endParaRPr lang="th-TH"/>
           </a:p>
@@ -4407,7 +4442,7 @@
           <a:p>
             <a:fld id="{12C3E8BB-F70B-41C7-A2C4-69BE80B44BDC}" type="datetimeFigureOut">
               <a:rPr lang="th-TH" smtClean="0"/>
-              <a:t>05/03/65</a:t>
+              <a:t>19/03/65</a:t>
             </a:fld>
             <a:endParaRPr lang="th-TH"/>
           </a:p>
@@ -4548,7 +4583,7 @@
           <a:p>
             <a:fld id="{12C3E8BB-F70B-41C7-A2C4-69BE80B44BDC}" type="datetimeFigureOut">
               <a:rPr lang="th-TH" smtClean="0"/>
-              <a:t>05/03/65</a:t>
+              <a:t>19/03/65</a:t>
             </a:fld>
             <a:endParaRPr lang="th-TH"/>
           </a:p>
@@ -4661,7 +4696,7 @@
           <a:p>
             <a:fld id="{12C3E8BB-F70B-41C7-A2C4-69BE80B44BDC}" type="datetimeFigureOut">
               <a:rPr lang="th-TH" smtClean="0"/>
-              <a:t>05/03/65</a:t>
+              <a:t>19/03/65</a:t>
             </a:fld>
             <a:endParaRPr lang="th-TH"/>
           </a:p>
@@ -4972,7 +5007,7 @@
           <a:p>
             <a:fld id="{12C3E8BB-F70B-41C7-A2C4-69BE80B44BDC}" type="datetimeFigureOut">
               <a:rPr lang="th-TH" smtClean="0"/>
-              <a:t>05/03/65</a:t>
+              <a:t>19/03/65</a:t>
             </a:fld>
             <a:endParaRPr lang="th-TH"/>
           </a:p>
@@ -5260,7 +5295,7 @@
           <a:p>
             <a:fld id="{12C3E8BB-F70B-41C7-A2C4-69BE80B44BDC}" type="datetimeFigureOut">
               <a:rPr lang="th-TH" smtClean="0"/>
-              <a:t>05/03/65</a:t>
+              <a:t>19/03/65</a:t>
             </a:fld>
             <a:endParaRPr lang="th-TH"/>
           </a:p>
@@ -5501,7 +5536,7 @@
           <a:p>
             <a:fld id="{12C3E8BB-F70B-41C7-A2C4-69BE80B44BDC}" type="datetimeFigureOut">
               <a:rPr lang="th-TH" smtClean="0"/>
-              <a:t>05/03/65</a:t>
+              <a:t>19/03/65</a:t>
             </a:fld>
             <a:endParaRPr lang="th-TH"/>
           </a:p>
@@ -5931,7 +5966,7 @@
           <p:nvPr>
             <p:extLst>
               <p:ext uri="{D42A27DB-BD31-4B8C-83A1-F6EECF244321}">
-                <p14:modId xmlns:p14="http://schemas.microsoft.com/office/powerpoint/2010/main" val="3457084790"/>
+                <p14:modId xmlns:p14="http://schemas.microsoft.com/office/powerpoint/2010/main" val="4042272002"/>
               </p:ext>
             </p:extLst>
           </p:nvPr>
@@ -5989,7 +6024,7 @@
           <p:nvPr>
             <p:extLst>
               <p:ext uri="{D42A27DB-BD31-4B8C-83A1-F6EECF244321}">
-                <p14:modId xmlns:p14="http://schemas.microsoft.com/office/powerpoint/2010/main" val="2769917822"/>
+                <p14:modId xmlns:p14="http://schemas.microsoft.com/office/powerpoint/2010/main" val="258058984"/>
               </p:ext>
             </p:extLst>
           </p:nvPr>
